--- a/src/_ppt/ch11.pptx
+++ b/src/_ppt/ch11.pptx
@@ -5,22 +5,17 @@
     <p:sldMasterId id="2147483648" r:id="rId1"/>
   </p:sldMasterIdLst>
   <p:notesMasterIdLst>
-    <p:notesMasterId r:id="rId12"/>
+    <p:notesMasterId r:id="rId7"/>
   </p:notesMasterIdLst>
   <p:handoutMasterIdLst>
-    <p:handoutMasterId r:id="rId13"/>
+    <p:handoutMasterId r:id="rId8"/>
   </p:handoutMasterIdLst>
   <p:sldIdLst>
     <p:sldId id="262" r:id="rId2"/>
     <p:sldId id="323" r:id="rId3"/>
     <p:sldId id="331" r:id="rId4"/>
     <p:sldId id="332" r:id="rId5"/>
-    <p:sldId id="324" r:id="rId6"/>
-    <p:sldId id="326" r:id="rId7"/>
-    <p:sldId id="329" r:id="rId8"/>
-    <p:sldId id="330" r:id="rId9"/>
-    <p:sldId id="325" r:id="rId10"/>
-    <p:sldId id="327" r:id="rId11"/>
+    <p:sldId id="335" r:id="rId6"/>
   </p:sldIdLst>
   <p:sldSz cx="9144000" cy="6858000" type="screen4x3"/>
   <p:notesSz cx="6858000" cy="9144000"/>
@@ -910,426 +905,6 @@
     <p:extLst>
       <p:ext uri="{BB962C8B-B14F-4D97-AF65-F5344CB8AC3E}">
         <p14:creationId xmlns:p14="http://schemas.microsoft.com/office/powerpoint/2010/main" val="4141871239"/>
-      </p:ext>
-    </p:extLst>
-  </p:cSld>
-  <p:clrMapOvr>
-    <a:masterClrMapping/>
-  </p:clrMapOvr>
-</p:notes>
-</file>
-
-<file path=ppt/notesSlides/notesSlide4.xml><?xml version="1.0" encoding="utf-8"?>
-<p:notes xmlns:a="http://schemas.openxmlformats.org/drawingml/2006/main" xmlns:r="http://schemas.openxmlformats.org/officeDocument/2006/relationships" xmlns:p="http://schemas.openxmlformats.org/presentationml/2006/main">
-  <p:cSld>
-    <p:spTree>
-      <p:nvGrpSpPr>
-        <p:cNvPr id="1" name=""/>
-        <p:cNvGrpSpPr/>
-        <p:nvPr/>
-      </p:nvGrpSpPr>
-      <p:grpSpPr>
-        <a:xfrm>
-          <a:off x="0" y="0"/>
-          <a:ext cx="0" cy="0"/>
-          <a:chOff x="0" y="0"/>
-          <a:chExt cx="0" cy="0"/>
-        </a:xfrm>
-      </p:grpSpPr>
-      <p:sp>
-        <p:nvSpPr>
-          <p:cNvPr id="2" name="슬라이드 이미지 개체 틀 1"/>
-          <p:cNvSpPr>
-            <a:spLocks noGrp="1" noRot="1" noChangeAspect="1"/>
-          </p:cNvSpPr>
-          <p:nvPr>
-            <p:ph type="sldImg"/>
-          </p:nvPr>
-        </p:nvSpPr>
-        <p:spPr/>
-      </p:sp>
-      <p:sp>
-        <p:nvSpPr>
-          <p:cNvPr id="3" name="슬라이드 노트 개체 틀 2"/>
-          <p:cNvSpPr>
-            <a:spLocks noGrp="1"/>
-          </p:cNvSpPr>
-          <p:nvPr>
-            <p:ph type="body" idx="1"/>
-          </p:nvPr>
-        </p:nvSpPr>
-        <p:spPr/>
-        <p:txBody>
-          <a:bodyPr/>
-          <a:lstStyle/>
-          <a:p>
-            <a:endParaRPr lang="ko-KR" altLang="en-US" dirty="0"/>
-          </a:p>
-        </p:txBody>
-      </p:sp>
-      <p:sp>
-        <p:nvSpPr>
-          <p:cNvPr id="4" name="슬라이드 번호 개체 틀 3"/>
-          <p:cNvSpPr>
-            <a:spLocks noGrp="1"/>
-          </p:cNvSpPr>
-          <p:nvPr>
-            <p:ph type="sldNum" sz="quarter" idx="10"/>
-          </p:nvPr>
-        </p:nvSpPr>
-        <p:spPr/>
-        <p:txBody>
-          <a:bodyPr/>
-          <a:lstStyle/>
-          <a:p>
-            <a:fld id="{F9FBCD24-FD72-452C-8969-09628A5F2BDD}" type="slidenum">
-              <a:rPr lang="ko-KR" altLang="en-US" smtClean="0"/>
-              <a:t>5</a:t>
-            </a:fld>
-            <a:endParaRPr lang="ko-KR" altLang="en-US"/>
-          </a:p>
-        </p:txBody>
-      </p:sp>
-    </p:spTree>
-    <p:extLst>
-      <p:ext uri="{BB962C8B-B14F-4D97-AF65-F5344CB8AC3E}">
-        <p14:creationId xmlns:p14="http://schemas.microsoft.com/office/powerpoint/2010/main" val="3979986194"/>
-      </p:ext>
-    </p:extLst>
-  </p:cSld>
-  <p:clrMapOvr>
-    <a:masterClrMapping/>
-  </p:clrMapOvr>
-</p:notes>
-</file>
-
-<file path=ppt/notesSlides/notesSlide5.xml><?xml version="1.0" encoding="utf-8"?>
-<p:notes xmlns:a="http://schemas.openxmlformats.org/drawingml/2006/main" xmlns:r="http://schemas.openxmlformats.org/officeDocument/2006/relationships" xmlns:p="http://schemas.openxmlformats.org/presentationml/2006/main">
-  <p:cSld>
-    <p:spTree>
-      <p:nvGrpSpPr>
-        <p:cNvPr id="1" name=""/>
-        <p:cNvGrpSpPr/>
-        <p:nvPr/>
-      </p:nvGrpSpPr>
-      <p:grpSpPr>
-        <a:xfrm>
-          <a:off x="0" y="0"/>
-          <a:ext cx="0" cy="0"/>
-          <a:chOff x="0" y="0"/>
-          <a:chExt cx="0" cy="0"/>
-        </a:xfrm>
-      </p:grpSpPr>
-      <p:sp>
-        <p:nvSpPr>
-          <p:cNvPr id="2" name="슬라이드 이미지 개체 틀 1"/>
-          <p:cNvSpPr>
-            <a:spLocks noGrp="1" noRot="1" noChangeAspect="1"/>
-          </p:cNvSpPr>
-          <p:nvPr>
-            <p:ph type="sldImg"/>
-          </p:nvPr>
-        </p:nvSpPr>
-        <p:spPr/>
-      </p:sp>
-      <p:sp>
-        <p:nvSpPr>
-          <p:cNvPr id="3" name="슬라이드 노트 개체 틀 2"/>
-          <p:cNvSpPr>
-            <a:spLocks noGrp="1"/>
-          </p:cNvSpPr>
-          <p:nvPr>
-            <p:ph type="body" idx="1"/>
-          </p:nvPr>
-        </p:nvSpPr>
-        <p:spPr/>
-        <p:txBody>
-          <a:bodyPr/>
-          <a:lstStyle/>
-          <a:p>
-            <a:endParaRPr lang="ko-KR" altLang="en-US" dirty="0"/>
-          </a:p>
-        </p:txBody>
-      </p:sp>
-      <p:sp>
-        <p:nvSpPr>
-          <p:cNvPr id="4" name="슬라이드 번호 개체 틀 3"/>
-          <p:cNvSpPr>
-            <a:spLocks noGrp="1"/>
-          </p:cNvSpPr>
-          <p:nvPr>
-            <p:ph type="sldNum" sz="quarter" idx="10"/>
-          </p:nvPr>
-        </p:nvSpPr>
-        <p:spPr/>
-        <p:txBody>
-          <a:bodyPr/>
-          <a:lstStyle/>
-          <a:p>
-            <a:fld id="{F9FBCD24-FD72-452C-8969-09628A5F2BDD}" type="slidenum">
-              <a:rPr lang="ko-KR" altLang="en-US" smtClean="0"/>
-              <a:t>6</a:t>
-            </a:fld>
-            <a:endParaRPr lang="ko-KR" altLang="en-US"/>
-          </a:p>
-        </p:txBody>
-      </p:sp>
-    </p:spTree>
-    <p:extLst>
-      <p:ext uri="{BB962C8B-B14F-4D97-AF65-F5344CB8AC3E}">
-        <p14:creationId xmlns:p14="http://schemas.microsoft.com/office/powerpoint/2010/main" val="3979986194"/>
-      </p:ext>
-    </p:extLst>
-  </p:cSld>
-  <p:clrMapOvr>
-    <a:masterClrMapping/>
-  </p:clrMapOvr>
-</p:notes>
-</file>
-
-<file path=ppt/notesSlides/notesSlide6.xml><?xml version="1.0" encoding="utf-8"?>
-<p:notes xmlns:a="http://schemas.openxmlformats.org/drawingml/2006/main" xmlns:r="http://schemas.openxmlformats.org/officeDocument/2006/relationships" xmlns:p="http://schemas.openxmlformats.org/presentationml/2006/main">
-  <p:cSld>
-    <p:spTree>
-      <p:nvGrpSpPr>
-        <p:cNvPr id="1" name=""/>
-        <p:cNvGrpSpPr/>
-        <p:nvPr/>
-      </p:nvGrpSpPr>
-      <p:grpSpPr>
-        <a:xfrm>
-          <a:off x="0" y="0"/>
-          <a:ext cx="0" cy="0"/>
-          <a:chOff x="0" y="0"/>
-          <a:chExt cx="0" cy="0"/>
-        </a:xfrm>
-      </p:grpSpPr>
-      <p:sp>
-        <p:nvSpPr>
-          <p:cNvPr id="2" name="슬라이드 이미지 개체 틀 1"/>
-          <p:cNvSpPr>
-            <a:spLocks noGrp="1" noRot="1" noChangeAspect="1"/>
-          </p:cNvSpPr>
-          <p:nvPr>
-            <p:ph type="sldImg"/>
-          </p:nvPr>
-        </p:nvSpPr>
-        <p:spPr/>
-      </p:sp>
-      <p:sp>
-        <p:nvSpPr>
-          <p:cNvPr id="3" name="슬라이드 노트 개체 틀 2"/>
-          <p:cNvSpPr>
-            <a:spLocks noGrp="1"/>
-          </p:cNvSpPr>
-          <p:nvPr>
-            <p:ph type="body" idx="1"/>
-          </p:nvPr>
-        </p:nvSpPr>
-        <p:spPr/>
-        <p:txBody>
-          <a:bodyPr/>
-          <a:lstStyle/>
-          <a:p>
-            <a:endParaRPr lang="ko-KR" altLang="en-US" dirty="0"/>
-          </a:p>
-        </p:txBody>
-      </p:sp>
-      <p:sp>
-        <p:nvSpPr>
-          <p:cNvPr id="4" name="슬라이드 번호 개체 틀 3"/>
-          <p:cNvSpPr>
-            <a:spLocks noGrp="1"/>
-          </p:cNvSpPr>
-          <p:nvPr>
-            <p:ph type="sldNum" sz="quarter" idx="10"/>
-          </p:nvPr>
-        </p:nvSpPr>
-        <p:spPr/>
-        <p:txBody>
-          <a:bodyPr/>
-          <a:lstStyle/>
-          <a:p>
-            <a:fld id="{F9FBCD24-FD72-452C-8969-09628A5F2BDD}" type="slidenum">
-              <a:rPr lang="ko-KR" altLang="en-US" smtClean="0"/>
-              <a:t>7</a:t>
-            </a:fld>
-            <a:endParaRPr lang="ko-KR" altLang="en-US"/>
-          </a:p>
-        </p:txBody>
-      </p:sp>
-    </p:spTree>
-    <p:extLst>
-      <p:ext uri="{BB962C8B-B14F-4D97-AF65-F5344CB8AC3E}">
-        <p14:creationId xmlns:p14="http://schemas.microsoft.com/office/powerpoint/2010/main" val="3979986194"/>
-      </p:ext>
-    </p:extLst>
-  </p:cSld>
-  <p:clrMapOvr>
-    <a:masterClrMapping/>
-  </p:clrMapOvr>
-</p:notes>
-</file>
-
-<file path=ppt/notesSlides/notesSlide7.xml><?xml version="1.0" encoding="utf-8"?>
-<p:notes xmlns:a="http://schemas.openxmlformats.org/drawingml/2006/main" xmlns:r="http://schemas.openxmlformats.org/officeDocument/2006/relationships" xmlns:p="http://schemas.openxmlformats.org/presentationml/2006/main">
-  <p:cSld>
-    <p:spTree>
-      <p:nvGrpSpPr>
-        <p:cNvPr id="1" name=""/>
-        <p:cNvGrpSpPr/>
-        <p:nvPr/>
-      </p:nvGrpSpPr>
-      <p:grpSpPr>
-        <a:xfrm>
-          <a:off x="0" y="0"/>
-          <a:ext cx="0" cy="0"/>
-          <a:chOff x="0" y="0"/>
-          <a:chExt cx="0" cy="0"/>
-        </a:xfrm>
-      </p:grpSpPr>
-      <p:sp>
-        <p:nvSpPr>
-          <p:cNvPr id="2" name="슬라이드 이미지 개체 틀 1"/>
-          <p:cNvSpPr>
-            <a:spLocks noGrp="1" noRot="1" noChangeAspect="1"/>
-          </p:cNvSpPr>
-          <p:nvPr>
-            <p:ph type="sldImg"/>
-          </p:nvPr>
-        </p:nvSpPr>
-        <p:spPr/>
-      </p:sp>
-      <p:sp>
-        <p:nvSpPr>
-          <p:cNvPr id="3" name="슬라이드 노트 개체 틀 2"/>
-          <p:cNvSpPr>
-            <a:spLocks noGrp="1"/>
-          </p:cNvSpPr>
-          <p:nvPr>
-            <p:ph type="body" idx="1"/>
-          </p:nvPr>
-        </p:nvSpPr>
-        <p:spPr/>
-        <p:txBody>
-          <a:bodyPr/>
-          <a:lstStyle/>
-          <a:p>
-            <a:endParaRPr lang="ko-KR" altLang="en-US" dirty="0"/>
-          </a:p>
-        </p:txBody>
-      </p:sp>
-      <p:sp>
-        <p:nvSpPr>
-          <p:cNvPr id="4" name="슬라이드 번호 개체 틀 3"/>
-          <p:cNvSpPr>
-            <a:spLocks noGrp="1"/>
-          </p:cNvSpPr>
-          <p:nvPr>
-            <p:ph type="sldNum" sz="quarter" idx="10"/>
-          </p:nvPr>
-        </p:nvSpPr>
-        <p:spPr/>
-        <p:txBody>
-          <a:bodyPr/>
-          <a:lstStyle/>
-          <a:p>
-            <a:fld id="{F9FBCD24-FD72-452C-8969-09628A5F2BDD}" type="slidenum">
-              <a:rPr lang="ko-KR" altLang="en-US" smtClean="0"/>
-              <a:t>8</a:t>
-            </a:fld>
-            <a:endParaRPr lang="ko-KR" altLang="en-US"/>
-          </a:p>
-        </p:txBody>
-      </p:sp>
-    </p:spTree>
-    <p:extLst>
-      <p:ext uri="{BB962C8B-B14F-4D97-AF65-F5344CB8AC3E}">
-        <p14:creationId xmlns:p14="http://schemas.microsoft.com/office/powerpoint/2010/main" val="3979986194"/>
-      </p:ext>
-    </p:extLst>
-  </p:cSld>
-  <p:clrMapOvr>
-    <a:masterClrMapping/>
-  </p:clrMapOvr>
-</p:notes>
-</file>
-
-<file path=ppt/notesSlides/notesSlide8.xml><?xml version="1.0" encoding="utf-8"?>
-<p:notes xmlns:a="http://schemas.openxmlformats.org/drawingml/2006/main" xmlns:r="http://schemas.openxmlformats.org/officeDocument/2006/relationships" xmlns:p="http://schemas.openxmlformats.org/presentationml/2006/main">
-  <p:cSld>
-    <p:spTree>
-      <p:nvGrpSpPr>
-        <p:cNvPr id="1" name=""/>
-        <p:cNvGrpSpPr/>
-        <p:nvPr/>
-      </p:nvGrpSpPr>
-      <p:grpSpPr>
-        <a:xfrm>
-          <a:off x="0" y="0"/>
-          <a:ext cx="0" cy="0"/>
-          <a:chOff x="0" y="0"/>
-          <a:chExt cx="0" cy="0"/>
-        </a:xfrm>
-      </p:grpSpPr>
-      <p:sp>
-        <p:nvSpPr>
-          <p:cNvPr id="2" name="슬라이드 이미지 개체 틀 1"/>
-          <p:cNvSpPr>
-            <a:spLocks noGrp="1" noRot="1" noChangeAspect="1"/>
-          </p:cNvSpPr>
-          <p:nvPr>
-            <p:ph type="sldImg"/>
-          </p:nvPr>
-        </p:nvSpPr>
-        <p:spPr/>
-      </p:sp>
-      <p:sp>
-        <p:nvSpPr>
-          <p:cNvPr id="3" name="슬라이드 노트 개체 틀 2"/>
-          <p:cNvSpPr>
-            <a:spLocks noGrp="1"/>
-          </p:cNvSpPr>
-          <p:nvPr>
-            <p:ph type="body" idx="1"/>
-          </p:nvPr>
-        </p:nvSpPr>
-        <p:spPr/>
-        <p:txBody>
-          <a:bodyPr/>
-          <a:lstStyle/>
-          <a:p>
-            <a:endParaRPr lang="ko-KR" altLang="en-US" dirty="0"/>
-          </a:p>
-        </p:txBody>
-      </p:sp>
-      <p:sp>
-        <p:nvSpPr>
-          <p:cNvPr id="4" name="슬라이드 번호 개체 틀 3"/>
-          <p:cNvSpPr>
-            <a:spLocks noGrp="1"/>
-          </p:cNvSpPr>
-          <p:nvPr>
-            <p:ph type="sldNum" sz="quarter" idx="10"/>
-          </p:nvPr>
-        </p:nvSpPr>
-        <p:spPr/>
-        <p:txBody>
-          <a:bodyPr/>
-          <a:lstStyle/>
-          <a:p>
-            <a:fld id="{F9FBCD24-FD72-452C-8969-09628A5F2BDD}" type="slidenum">
-              <a:rPr lang="ko-KR" altLang="en-US" smtClean="0"/>
-              <a:t>10</a:t>
-            </a:fld>
-            <a:endParaRPr lang="ko-KR" altLang="en-US"/>
-          </a:p>
-        </p:txBody>
-      </p:sp>
-    </p:spTree>
-    <p:extLst>
-      <p:ext uri="{BB962C8B-B14F-4D97-AF65-F5344CB8AC3E}">
-        <p14:creationId xmlns:p14="http://schemas.microsoft.com/office/powerpoint/2010/main" val="45560400"/>
       </p:ext>
     </p:extLst>
   </p:cSld>
@@ -4724,106 +4299,6 @@
 </p:sld>
 </file>
 
-<file path=ppt/slides/slide10.xml><?xml version="1.0" encoding="utf-8"?>
-<p:sld xmlns:a="http://schemas.openxmlformats.org/drawingml/2006/main" xmlns:r="http://schemas.openxmlformats.org/officeDocument/2006/relationships" xmlns:p="http://schemas.openxmlformats.org/presentationml/2006/main">
-  <p:cSld>
-    <p:spTree>
-      <p:nvGrpSpPr>
-        <p:cNvPr id="1" name=""/>
-        <p:cNvGrpSpPr/>
-        <p:nvPr/>
-      </p:nvGrpSpPr>
-      <p:grpSpPr>
-        <a:xfrm>
-          <a:off x="0" y="0"/>
-          <a:ext cx="0" cy="0"/>
-          <a:chOff x="0" y="0"/>
-          <a:chExt cx="0" cy="0"/>
-        </a:xfrm>
-      </p:grpSpPr>
-      <p:sp>
-        <p:nvSpPr>
-          <p:cNvPr id="2" name="제목 1"/>
-          <p:cNvSpPr>
-            <a:spLocks noGrp="1"/>
-          </p:cNvSpPr>
-          <p:nvPr>
-            <p:ph type="title"/>
-          </p:nvPr>
-        </p:nvSpPr>
-        <p:spPr/>
-        <p:txBody>
-          <a:bodyPr/>
-          <a:lstStyle/>
-          <a:p>
-            <a:endParaRPr lang="ko-KR" altLang="en-US"/>
-          </a:p>
-        </p:txBody>
-      </p:sp>
-      <p:sp>
-        <p:nvSpPr>
-          <p:cNvPr id="3" name="내용 개체 틀 2"/>
-          <p:cNvSpPr>
-            <a:spLocks noGrp="1"/>
-          </p:cNvSpPr>
-          <p:nvPr>
-            <p:ph idx="1"/>
-          </p:nvPr>
-        </p:nvSpPr>
-        <p:spPr/>
-        <p:txBody>
-          <a:bodyPr/>
-          <a:lstStyle/>
-          <a:p>
-            <a:pPr algn="ctr"/>
-            <a:endParaRPr lang="en-US" altLang="ko-KR" sz="2000" dirty="0" smtClean="0"/>
-          </a:p>
-          <a:p>
-            <a:pPr algn="ctr"/>
-            <a:endParaRPr lang="en-US" altLang="ko-KR" sz="2000" dirty="0"/>
-          </a:p>
-          <a:p>
-            <a:pPr algn="ctr"/>
-            <a:endParaRPr lang="en-US" altLang="ko-KR" sz="2000" dirty="0" smtClean="0"/>
-          </a:p>
-          <a:p>
-            <a:pPr algn="ctr"/>
-            <a:endParaRPr lang="en-US" altLang="ko-KR" sz="2000" dirty="0"/>
-          </a:p>
-          <a:p>
-            <a:pPr algn="ctr"/>
-            <a:r>
-              <a:rPr lang="ko-KR" altLang="en-US" sz="2000" dirty="0" smtClean="0"/>
-              <a:t>끝</a:t>
-            </a:r>
-            <a:r>
-              <a:rPr lang="en-US" altLang="ko-KR" sz="2000" dirty="0" smtClean="0"/>
-              <a:t>.</a:t>
-            </a:r>
-            <a:endParaRPr lang="ko-KR" altLang="en-US" sz="2000" dirty="0"/>
-          </a:p>
-        </p:txBody>
-      </p:sp>
-    </p:spTree>
-    <p:extLst>
-      <p:ext uri="{BB962C8B-B14F-4D97-AF65-F5344CB8AC3E}">
-        <p14:creationId xmlns:p14="http://schemas.microsoft.com/office/powerpoint/2010/main" val="2711107262"/>
-      </p:ext>
-    </p:extLst>
-  </p:cSld>
-  <p:clrMapOvr>
-    <a:masterClrMapping/>
-  </p:clrMapOvr>
-  <p:timing>
-    <p:tnLst>
-      <p:par>
-        <p:cTn id="1" dur="indefinite" restart="never" nodeType="tmRoot"/>
-      </p:par>
-    </p:tnLst>
-  </p:timing>
-</p:sld>
-</file>
-
 <file path=ppt/slides/slide2.xml><?xml version="1.0" encoding="utf-8"?>
 <p:sld xmlns:a="http://schemas.openxmlformats.org/drawingml/2006/main" xmlns:r="http://schemas.openxmlformats.org/officeDocument/2006/relationships" xmlns:p="http://schemas.openxmlformats.org/presentationml/2006/main">
   <p:cSld>
@@ -5692,125 +5167,6 @@
       </p:grpSpPr>
       <p:sp>
         <p:nvSpPr>
-          <p:cNvPr id="3" name="내용 개체 틀 2"/>
-          <p:cNvSpPr>
-            <a:spLocks noGrp="1"/>
-          </p:cNvSpPr>
-          <p:nvPr>
-            <p:ph idx="1"/>
-          </p:nvPr>
-        </p:nvSpPr>
-        <p:spPr/>
-        <p:txBody>
-          <a:bodyPr/>
-          <a:lstStyle/>
-          <a:p>
-            <a:pPr marL="171450" indent="-171450">
-              <a:buFont typeface="Arial" panose="020B0604020202020204" pitchFamily="34" charset="0"/>
-              <a:buChar char="•"/>
-            </a:pPr>
-            <a:r>
-              <a:rPr lang="ko-KR" altLang="en-US" sz="1600" dirty="0" smtClean="0"/>
-              <a:t>추상화된 부분과 실제 구현된 부분을 독립적으로 확장할 수 있다</a:t>
-            </a:r>
-            <a:r>
-              <a:rPr lang="en-US" altLang="ko-KR" sz="1600" dirty="0" smtClean="0"/>
-              <a:t>.</a:t>
-            </a:r>
-          </a:p>
-          <a:p>
-            <a:pPr marL="171450" indent="-171450">
-              <a:buFont typeface="Arial" panose="020B0604020202020204" pitchFamily="34" charset="0"/>
-              <a:buChar char="•"/>
-            </a:pPr>
-            <a:r>
-              <a:rPr lang="ko-KR" altLang="en-US" sz="1600" dirty="0" smtClean="0"/>
-              <a:t>추상화된 부분을 구현한 구상 클래스를 바꿔도 클라이언트 쪽에는 영향을 끼치지 않는다</a:t>
-            </a:r>
-            <a:r>
-              <a:rPr lang="en-US" altLang="ko-KR" sz="1600" dirty="0" smtClean="0"/>
-              <a:t>.</a:t>
-            </a:r>
-            <a:endParaRPr lang="ko-KR" altLang="en-US" sz="1600" dirty="0"/>
-          </a:p>
-        </p:txBody>
-      </p:sp>
-      <p:sp>
-        <p:nvSpPr>
-          <p:cNvPr id="4" name="제목 3"/>
-          <p:cNvSpPr>
-            <a:spLocks noGrp="1"/>
-          </p:cNvSpPr>
-          <p:nvPr>
-            <p:ph type="title"/>
-          </p:nvPr>
-        </p:nvSpPr>
-        <p:spPr/>
-        <p:txBody>
-          <a:bodyPr/>
-          <a:lstStyle/>
-          <a:p>
-            <a:r>
-              <a:rPr lang="en-US" altLang="ko-KR" dirty="0">
-                <a:ea typeface="나눔바른고딕" panose="020B0603020101020101" pitchFamily="50" charset="-127"/>
-              </a:rPr>
-              <a:t>Composite </a:t>
-            </a:r>
-            <a:r>
-              <a:rPr lang="ko-KR" altLang="en-US">
-                <a:ea typeface="나눔바른고딕" panose="020B0603020101020101" pitchFamily="50" charset="-127"/>
-              </a:rPr>
-              <a:t>패턴 </a:t>
-            </a:r>
-            <a:r>
-              <a:rPr lang="ko-KR" altLang="en-US" smtClean="0">
-                <a:ea typeface="나눔바른고딕" panose="020B0603020101020101" pitchFamily="50" charset="-127"/>
-              </a:rPr>
-              <a:t>예제</a:t>
-            </a:r>
-            <a:endParaRPr lang="ko-KR" altLang="en-US" dirty="0"/>
-          </a:p>
-        </p:txBody>
-      </p:sp>
-    </p:spTree>
-    <p:extLst>
-      <p:ext uri="{BB962C8B-B14F-4D97-AF65-F5344CB8AC3E}">
-        <p14:creationId xmlns:p14="http://schemas.microsoft.com/office/powerpoint/2010/main" val="411258317"/>
-      </p:ext>
-    </p:extLst>
-  </p:cSld>
-  <p:clrMapOvr>
-    <a:masterClrMapping/>
-  </p:clrMapOvr>
-  <p:timing>
-    <p:tnLst>
-      <p:par>
-        <p:cTn id="1" dur="indefinite" restart="never" nodeType="tmRoot"/>
-      </p:par>
-    </p:tnLst>
-  </p:timing>
-</p:sld>
-</file>
-
-<file path=ppt/slides/slide6.xml><?xml version="1.0" encoding="utf-8"?>
-<p:sld xmlns:a="http://schemas.openxmlformats.org/drawingml/2006/main" xmlns:r="http://schemas.openxmlformats.org/officeDocument/2006/relationships" xmlns:p="http://schemas.openxmlformats.org/presentationml/2006/main">
-  <p:cSld>
-    <p:spTree>
-      <p:nvGrpSpPr>
-        <p:cNvPr id="1" name=""/>
-        <p:cNvGrpSpPr/>
-        <p:nvPr/>
-      </p:nvGrpSpPr>
-      <p:grpSpPr>
-        <a:xfrm>
-          <a:off x="0" y="0"/>
-          <a:ext cx="0" cy="0"/>
-          <a:chOff x="0" y="0"/>
-          <a:chExt cx="0" cy="0"/>
-        </a:xfrm>
-      </p:grpSpPr>
-      <p:sp>
-        <p:nvSpPr>
           <p:cNvPr id="2" name="제목 1"/>
           <p:cNvSpPr>
             <a:spLocks noGrp="1"/>
@@ -5825,12 +5181,16 @@
           <a:lstStyle/>
           <a:p>
             <a:r>
-              <a:rPr lang="en-US" altLang="ko-KR" dirty="0"/>
-              <a:t>Bridge </a:t>
-            </a:r>
-            <a:r>
-              <a:rPr lang="ko-KR" altLang="en-US" dirty="0" smtClean="0"/>
-              <a:t>패턴 예제</a:t>
+              <a:rPr lang="en-US" altLang="ko-KR" dirty="0">
+                <a:ea typeface="나눔바른고딕" panose="020B0603020101020101" pitchFamily="50" charset="-127"/>
+              </a:rPr>
+              <a:t>Composite </a:t>
+            </a:r>
+            <a:r>
+              <a:rPr lang="ko-KR" altLang="en-US" dirty="0">
+                <a:ea typeface="나눔바른고딕" panose="020B0603020101020101" pitchFamily="50" charset="-127"/>
+              </a:rPr>
+              <a:t>패턴 </a:t>
             </a:r>
             <a:endParaRPr lang="ko-KR" altLang="en-US" dirty="0"/>
           </a:p>
@@ -5851,10 +5211,42 @@
           <a:bodyPr/>
           <a:lstStyle/>
           <a:p>
-            <a:pPr marL="171450" indent="-171450">
-              <a:buFont typeface="Arial" panose="020B0604020202020204" pitchFamily="34" charset="0"/>
-              <a:buChar char="•"/>
-            </a:pPr>
+            <a:r>
+              <a:rPr lang="ko-KR" altLang="en-US" sz="1600" dirty="0"/>
+              <a:t>기본</a:t>
+            </a:r>
+            <a:r>
+              <a:rPr lang="en-US" altLang="ko-KR" sz="1600" dirty="0"/>
+              <a:t>(Leaf) </a:t>
+            </a:r>
+            <a:r>
+              <a:rPr lang="ko-KR" altLang="en-US" sz="1600" dirty="0"/>
+              <a:t>객체와 구성</a:t>
+            </a:r>
+            <a:r>
+              <a:rPr lang="en-US" altLang="ko-KR" sz="1600" dirty="0"/>
+              <a:t>(Composite) </a:t>
+            </a:r>
+            <a:r>
+              <a:rPr lang="ko-KR" altLang="en-US" sz="1600" dirty="0"/>
+              <a:t>객체를 트리 구조로 구성하여 사용자가 해당 객체들을 </a:t>
+            </a:r>
+            <a:r>
+              <a:rPr lang="ko-KR" altLang="en-US" sz="1600" dirty="0" smtClean="0"/>
+              <a:t>구분 없이 </a:t>
+            </a:r>
+            <a:r>
+              <a:rPr lang="ko-KR" altLang="en-US" sz="1600" b="1" u="sng" dirty="0"/>
+              <a:t>같은 인터페이스로 사용</a:t>
+            </a:r>
+            <a:r>
+              <a:rPr lang="ko-KR" altLang="en-US" sz="1600" dirty="0"/>
+              <a:t>할 수 있게 하기 위한 디자인 </a:t>
+            </a:r>
+            <a:r>
+              <a:rPr lang="ko-KR" altLang="en-US" sz="1600" dirty="0" smtClean="0"/>
+              <a:t>패턴</a:t>
+            </a:r>
             <a:endParaRPr lang="ko-KR" altLang="en-US" sz="1600" dirty="0"/>
           </a:p>
         </p:txBody>
@@ -5862,341 +5254,7 @@
     </p:spTree>
     <p:extLst>
       <p:ext uri="{BB962C8B-B14F-4D97-AF65-F5344CB8AC3E}">
-        <p14:creationId xmlns:p14="http://schemas.microsoft.com/office/powerpoint/2010/main" val="3571972760"/>
-      </p:ext>
-    </p:extLst>
-  </p:cSld>
-  <p:clrMapOvr>
-    <a:masterClrMapping/>
-  </p:clrMapOvr>
-  <p:timing>
-    <p:tnLst>
-      <p:par>
-        <p:cTn id="1" dur="indefinite" restart="never" nodeType="tmRoot"/>
-      </p:par>
-    </p:tnLst>
-  </p:timing>
-</p:sld>
-</file>
-
-<file path=ppt/slides/slide7.xml><?xml version="1.0" encoding="utf-8"?>
-<p:sld xmlns:a="http://schemas.openxmlformats.org/drawingml/2006/main" xmlns:r="http://schemas.openxmlformats.org/officeDocument/2006/relationships" xmlns:p="http://schemas.openxmlformats.org/presentationml/2006/main">
-  <p:cSld>
-    <p:spTree>
-      <p:nvGrpSpPr>
-        <p:cNvPr id="1" name=""/>
-        <p:cNvGrpSpPr/>
-        <p:nvPr/>
-      </p:nvGrpSpPr>
-      <p:grpSpPr>
-        <a:xfrm>
-          <a:off x="0" y="0"/>
-          <a:ext cx="0" cy="0"/>
-          <a:chOff x="0" y="0"/>
-          <a:chExt cx="0" cy="0"/>
-        </a:xfrm>
-      </p:grpSpPr>
-      <p:sp>
-        <p:nvSpPr>
-          <p:cNvPr id="2" name="제목 1"/>
-          <p:cNvSpPr>
-            <a:spLocks noGrp="1"/>
-          </p:cNvSpPr>
-          <p:nvPr>
-            <p:ph type="title"/>
-          </p:nvPr>
-        </p:nvSpPr>
-        <p:spPr/>
-        <p:txBody>
-          <a:bodyPr/>
-          <a:lstStyle/>
-          <a:p>
-            <a:r>
-              <a:rPr lang="en-US" altLang="ko-KR" dirty="0"/>
-              <a:t>Bridge </a:t>
-            </a:r>
-            <a:r>
-              <a:rPr lang="ko-KR" altLang="en-US" dirty="0" smtClean="0"/>
-              <a:t>패턴 예제</a:t>
-            </a:r>
-            <a:endParaRPr lang="ko-KR" altLang="en-US" dirty="0"/>
-          </a:p>
-        </p:txBody>
-      </p:sp>
-      <p:sp>
-        <p:nvSpPr>
-          <p:cNvPr id="3" name="내용 개체 틀 2"/>
-          <p:cNvSpPr>
-            <a:spLocks noGrp="1"/>
-          </p:cNvSpPr>
-          <p:nvPr>
-            <p:ph idx="1"/>
-          </p:nvPr>
-        </p:nvSpPr>
-        <p:spPr/>
-        <p:txBody>
-          <a:bodyPr/>
-          <a:lstStyle/>
-          <a:p>
-            <a:pPr marL="171450" indent="-171450">
-              <a:buFont typeface="Arial" panose="020B0604020202020204" pitchFamily="34" charset="0"/>
-              <a:buChar char="•"/>
-            </a:pPr>
-            <a:r>
-              <a:rPr lang="en-US" altLang="ko-KR" sz="1600" dirty="0" smtClean="0"/>
-              <a:t>‘</a:t>
-            </a:r>
-            <a:r>
-              <a:rPr lang="ko-KR" altLang="en-US" sz="1600" dirty="0" smtClean="0"/>
-              <a:t>랜덤횟수를 표시한다</a:t>
-            </a:r>
-            <a:r>
-              <a:rPr lang="en-US" altLang="ko-KR" sz="1600" dirty="0" smtClean="0"/>
-              <a:t>’</a:t>
-            </a:r>
-            <a:r>
-              <a:rPr lang="ko-KR" altLang="en-US" sz="1600" dirty="0" smtClean="0"/>
-              <a:t>는 처리를 구현하려면</a:t>
-            </a:r>
-            <a:r>
-              <a:rPr lang="en-US" altLang="ko-KR" sz="1600" dirty="0" smtClean="0"/>
-              <a:t>?</a:t>
-            </a:r>
-          </a:p>
-        </p:txBody>
-      </p:sp>
-    </p:spTree>
-    <p:extLst>
-      <p:ext uri="{BB962C8B-B14F-4D97-AF65-F5344CB8AC3E}">
-        <p14:creationId xmlns:p14="http://schemas.microsoft.com/office/powerpoint/2010/main" val="2190740235"/>
-      </p:ext>
-    </p:extLst>
-  </p:cSld>
-  <p:clrMapOvr>
-    <a:masterClrMapping/>
-  </p:clrMapOvr>
-  <p:timing>
-    <p:tnLst>
-      <p:par>
-        <p:cTn id="1" dur="indefinite" restart="never" nodeType="tmRoot"/>
-      </p:par>
-    </p:tnLst>
-  </p:timing>
-</p:sld>
-</file>
-
-<file path=ppt/slides/slide8.xml><?xml version="1.0" encoding="utf-8"?>
-<p:sld xmlns:a="http://schemas.openxmlformats.org/drawingml/2006/main" xmlns:r="http://schemas.openxmlformats.org/officeDocument/2006/relationships" xmlns:p="http://schemas.openxmlformats.org/presentationml/2006/main">
-  <p:cSld>
-    <p:spTree>
-      <p:nvGrpSpPr>
-        <p:cNvPr id="1" name=""/>
-        <p:cNvGrpSpPr/>
-        <p:nvPr/>
-      </p:nvGrpSpPr>
-      <p:grpSpPr>
-        <a:xfrm>
-          <a:off x="0" y="0"/>
-          <a:ext cx="0" cy="0"/>
-          <a:chOff x="0" y="0"/>
-          <a:chExt cx="0" cy="0"/>
-        </a:xfrm>
-      </p:grpSpPr>
-      <p:sp>
-        <p:nvSpPr>
-          <p:cNvPr id="2" name="제목 1"/>
-          <p:cNvSpPr>
-            <a:spLocks noGrp="1"/>
-          </p:cNvSpPr>
-          <p:nvPr>
-            <p:ph type="title"/>
-          </p:nvPr>
-        </p:nvSpPr>
-        <p:spPr/>
-        <p:txBody>
-          <a:bodyPr/>
-          <a:lstStyle/>
-          <a:p>
-            <a:r>
-              <a:rPr lang="en-US" altLang="ko-KR" dirty="0"/>
-              <a:t>Bridge </a:t>
-            </a:r>
-            <a:r>
-              <a:rPr lang="ko-KR" altLang="en-US" dirty="0" smtClean="0"/>
-              <a:t>패턴 예제</a:t>
-            </a:r>
-            <a:endParaRPr lang="ko-KR" altLang="en-US" dirty="0"/>
-          </a:p>
-        </p:txBody>
-      </p:sp>
-      <p:sp>
-        <p:nvSpPr>
-          <p:cNvPr id="3" name="내용 개체 틀 2"/>
-          <p:cNvSpPr>
-            <a:spLocks noGrp="1"/>
-          </p:cNvSpPr>
-          <p:nvPr>
-            <p:ph idx="1"/>
-          </p:nvPr>
-        </p:nvSpPr>
-        <p:spPr/>
-        <p:txBody>
-          <a:bodyPr/>
-          <a:lstStyle/>
-          <a:p>
-            <a:pPr marL="171450" indent="-171450">
-              <a:buFont typeface="Arial" panose="020B0604020202020204" pitchFamily="34" charset="0"/>
-              <a:buChar char="•"/>
-            </a:pPr>
-            <a:r>
-              <a:rPr lang="en-US" altLang="ko-KR" sz="1600" dirty="0" smtClean="0"/>
-              <a:t>‘</a:t>
-            </a:r>
-            <a:r>
-              <a:rPr lang="ko-KR" altLang="en-US" sz="1600" dirty="0" smtClean="0"/>
-              <a:t>랜덤횟수를 표시한다</a:t>
-            </a:r>
-            <a:r>
-              <a:rPr lang="en-US" altLang="ko-KR" sz="1600" dirty="0" smtClean="0"/>
-              <a:t>’</a:t>
-            </a:r>
-            <a:r>
-              <a:rPr lang="ko-KR" altLang="en-US" sz="1600" dirty="0" smtClean="0"/>
-              <a:t>는 처리를 구현하려면</a:t>
-            </a:r>
-            <a:r>
-              <a:rPr lang="en-US" altLang="ko-KR" sz="1600" dirty="0" smtClean="0"/>
-              <a:t>?</a:t>
-            </a:r>
-          </a:p>
-          <a:p>
-            <a:pPr marL="171450" indent="-171450">
-              <a:buFont typeface="Arial" panose="020B0604020202020204" pitchFamily="34" charset="0"/>
-              <a:buChar char="•"/>
-            </a:pPr>
-            <a:r>
-              <a:rPr lang="en-US" altLang="ko-KR" sz="1600" dirty="0" smtClean="0"/>
-              <a:t>‘</a:t>
-            </a:r>
-            <a:r>
-              <a:rPr lang="ko-KR" altLang="en-US" sz="1600" dirty="0" smtClean="0"/>
-              <a:t>텍스트 파일의 내용을 표시한다</a:t>
-            </a:r>
-            <a:r>
-              <a:rPr lang="en-US" altLang="ko-KR" sz="1600" dirty="0" smtClean="0"/>
-              <a:t>’</a:t>
-            </a:r>
-            <a:r>
-              <a:rPr lang="ko-KR" altLang="en-US" sz="1600" dirty="0" smtClean="0"/>
-              <a:t>는 처리를 구현하려면</a:t>
-            </a:r>
-            <a:r>
-              <a:rPr lang="en-US" altLang="ko-KR" sz="1600" dirty="0" smtClean="0"/>
-              <a:t>?</a:t>
-            </a:r>
-            <a:endParaRPr lang="ko-KR" altLang="en-US" sz="1600" dirty="0"/>
-          </a:p>
-        </p:txBody>
-      </p:sp>
-    </p:spTree>
-    <p:extLst>
-      <p:ext uri="{BB962C8B-B14F-4D97-AF65-F5344CB8AC3E}">
-        <p14:creationId xmlns:p14="http://schemas.microsoft.com/office/powerpoint/2010/main" val="1293327344"/>
-      </p:ext>
-    </p:extLst>
-  </p:cSld>
-  <p:clrMapOvr>
-    <a:masterClrMapping/>
-  </p:clrMapOvr>
-  <p:timing>
-    <p:tnLst>
-      <p:par>
-        <p:cTn id="1" dur="indefinite" restart="never" nodeType="tmRoot"/>
-      </p:par>
-    </p:tnLst>
-  </p:timing>
-</p:sld>
-</file>
-
-<file path=ppt/slides/slide9.xml><?xml version="1.0" encoding="utf-8"?>
-<p:sld xmlns:a="http://schemas.openxmlformats.org/drawingml/2006/main" xmlns:r="http://schemas.openxmlformats.org/officeDocument/2006/relationships" xmlns:p="http://schemas.openxmlformats.org/presentationml/2006/main">
-  <p:cSld>
-    <p:spTree>
-      <p:nvGrpSpPr>
-        <p:cNvPr id="1" name=""/>
-        <p:cNvGrpSpPr/>
-        <p:nvPr/>
-      </p:nvGrpSpPr>
-      <p:grpSpPr>
-        <a:xfrm>
-          <a:off x="0" y="0"/>
-          <a:ext cx="0" cy="0"/>
-          <a:chOff x="0" y="0"/>
-          <a:chExt cx="0" cy="0"/>
-        </a:xfrm>
-      </p:grpSpPr>
-      <p:sp>
-        <p:nvSpPr>
-          <p:cNvPr id="2" name="제목 1"/>
-          <p:cNvSpPr>
-            <a:spLocks noGrp="1"/>
-          </p:cNvSpPr>
-          <p:nvPr>
-            <p:ph type="title"/>
-          </p:nvPr>
-        </p:nvSpPr>
-        <p:spPr/>
-        <p:txBody>
-          <a:bodyPr/>
-          <a:lstStyle/>
-          <a:p>
-            <a:r>
-              <a:rPr lang="en-US" altLang="ko-KR" dirty="0"/>
-              <a:t>Bridge </a:t>
-            </a:r>
-            <a:r>
-              <a:rPr lang="ko-KR" altLang="en-US" dirty="0" smtClean="0"/>
-              <a:t>패턴 단점</a:t>
-            </a:r>
-            <a:endParaRPr lang="ko-KR" altLang="en-US" dirty="0"/>
-          </a:p>
-        </p:txBody>
-      </p:sp>
-      <p:sp>
-        <p:nvSpPr>
-          <p:cNvPr id="3" name="내용 개체 틀 2"/>
-          <p:cNvSpPr>
-            <a:spLocks noGrp="1"/>
-          </p:cNvSpPr>
-          <p:nvPr>
-            <p:ph idx="1"/>
-          </p:nvPr>
-        </p:nvSpPr>
-        <p:spPr/>
-        <p:txBody>
-          <a:bodyPr/>
-          <a:lstStyle/>
-          <a:p>
-            <a:pPr marL="171450" indent="-171450">
-              <a:buFont typeface="Arial" panose="020B0604020202020204" pitchFamily="34" charset="0"/>
-              <a:buChar char="•"/>
-            </a:pPr>
-            <a:r>
-              <a:rPr lang="ko-KR" altLang="en-US" sz="1600" dirty="0" smtClean="0"/>
-              <a:t>디자인이 복잡해진다</a:t>
-            </a:r>
-            <a:r>
-              <a:rPr lang="en-US" altLang="ko-KR" sz="1600" dirty="0" smtClean="0"/>
-              <a:t>.</a:t>
-            </a:r>
-            <a:endParaRPr lang="ko-KR" altLang="en-US" sz="1600" dirty="0"/>
-          </a:p>
-        </p:txBody>
-      </p:sp>
-    </p:spTree>
-    <p:extLst>
-      <p:ext uri="{BB962C8B-B14F-4D97-AF65-F5344CB8AC3E}">
-        <p14:creationId xmlns:p14="http://schemas.microsoft.com/office/powerpoint/2010/main" val="2260138726"/>
+        <p14:creationId xmlns:p14="http://schemas.microsoft.com/office/powerpoint/2010/main" val="1974283630"/>
       </p:ext>
     </p:extLst>
   </p:cSld>
